--- a/JAVA PPT/Day8 (Scanner Class).pptx
+++ b/JAVA PPT/Day8 (Scanner Class).pptx
@@ -245,6 +245,22 @@
       </a:defRPr>
     </a:lvl9pPr>
   </p:defaultTextStyle>
+  <p:extLst>
+    <p:ext uri="{EFAFB233-063F-42B5-8137-9DF3F51BA10A}">
+      <p15:sldGuideLst xmlns:p15="http://schemas.microsoft.com/office/powerpoint/2012/main">
+        <p15:guide id="1" orient="horz" pos="1620" userDrawn="1">
+          <p15:clr>
+            <a:srgbClr val="A4A3A4"/>
+          </p15:clr>
+        </p15:guide>
+        <p15:guide id="2" pos="2876" userDrawn="1">
+          <p15:clr>
+            <a:srgbClr val="A4A3A4"/>
+          </p15:clr>
+        </p15:guide>
+      </p15:sldGuideLst>
+    </p:ext>
+  </p:extLst>
 </p:presentation>
 </file>
 
@@ -11127,31 +11143,6 @@
           </a:p>
         </p:txBody>
       </p:sp>
-      <p:pic>
-        <p:nvPicPr>
-          <p:cNvPr id="4" name="Picture 3" descr="Scanner"/>
-          <p:cNvPicPr>
-            <a:picLocks noChangeAspect="1"/>
-          </p:cNvPicPr>
-          <p:nvPr/>
-        </p:nvPicPr>
-        <p:blipFill>
-          <a:blip r:embed="rId1"/>
-          <a:srcRect l="7208" t="16072" r="7049" b="16072"/>
-          <a:stretch>
-            <a:fillRect/>
-          </a:stretch>
-        </p:blipFill>
-        <p:spPr>
-          <a:xfrm>
-            <a:off x="2232660" y="617220"/>
-            <a:ext cx="5496560" cy="1954530"/>
-          </a:xfrm>
-          <a:prstGeom prst="rect">
-            <a:avLst/>
-          </a:prstGeom>
-        </p:spPr>
-      </p:pic>
       <p:sp>
         <p:nvSpPr>
           <p:cNvPr id="8" name="Text Box 7"/>
@@ -11231,6 +11222,35 @@
           </a:p>
         </p:txBody>
       </p:sp>
+      <p:pic>
+        <p:nvPicPr>
+          <p:cNvPr id="2" name="Picture 1"/>
+          <p:cNvPicPr>
+            <a:picLocks noChangeAspect="1"/>
+          </p:cNvPicPr>
+          <p:nvPr>
+            <p:custDataLst>
+              <p:tags r:id="rId1"/>
+            </p:custDataLst>
+          </p:nvPr>
+        </p:nvPicPr>
+        <p:blipFill>
+          <a:blip r:embed="rId2"/>
+          <a:srcRect l="6379" t="13281" r="5341" b="12996"/>
+          <a:stretch>
+            <a:fillRect/>
+          </a:stretch>
+        </p:blipFill>
+        <p:spPr>
+          <a:xfrm>
+            <a:off x="1625600" y="590550"/>
+            <a:ext cx="6557010" cy="2115820"/>
+          </a:xfrm>
+          <a:prstGeom prst="rect">
+            <a:avLst/>
+          </a:prstGeom>
+        </p:spPr>
+      </p:pic>
     </p:spTree>
   </p:cSld>
   <p:clrMapOvr>
@@ -11248,6 +11268,9 @@
                     <p:cTn id="3" fill="hold">
                       <p:stCondLst>
                         <p:cond delay="indefinite"/>
+                        <p:cond evt="onBegin" delay="0">
+                          <p:tn val="2"/>
+                        </p:cond>
                       </p:stCondLst>
                       <p:childTnLst>
                         <p:par>
@@ -11257,10 +11280,13 @@
                             </p:stCondLst>
                             <p:childTnLst>
                               <p:par>
-                                <p:cTn id="5" presetID="10" presetClass="entr" presetSubtype="0" fill="hold" nodeType="clickEffect">
+                                <p:cTn id="5" presetID="10" presetClass="entr" presetSubtype="0" fill="hold" nodeType="afterEffect">
                                   <p:stCondLst>
                                     <p:cond delay="0"/>
                                   </p:stCondLst>
+                                  <p:iterate type="lt">
+                                    <p:tmPct val="10000"/>
+                                  </p:iterate>
                                   <p:childTnLst>
                                     <p:set>
                                       <p:cBhvr>
@@ -11270,7 +11296,11 @@
                                           </p:stCondLst>
                                         </p:cTn>
                                         <p:tgtEl>
-                                          <p:spTgt spid="4"/>
+                                          <p:spTgt spid="8">
+                                            <p:txEl>
+                                              <p:pRg st="0" end="0"/>
+                                            </p:txEl>
+                                          </p:spTgt>
                                         </p:tgtEl>
                                         <p:attrNameLst>
                                           <p:attrName>style.visibility</p:attrName>
@@ -11284,7 +11314,11 @@
                                       <p:cBhvr>
                                         <p:cTn id="7" dur="500"/>
                                         <p:tgtEl>
-                                          <p:spTgt spid="4"/>
+                                          <p:spTgt spid="8">
+                                            <p:txEl>
+                                              <p:pRg st="0" end="0"/>
+                                            </p:txEl>
+                                          </p:spTgt>
                                         </p:tgtEl>
                                       </p:cBhvr>
                                     </p:animEffect>
@@ -11297,7 +11331,7 @@
                         <p:par>
                           <p:cTn id="8" fill="hold">
                             <p:stCondLst>
-                              <p:cond delay="500"/>
+                              <p:cond delay="3500"/>
                             </p:stCondLst>
                             <p:childTnLst>
                               <p:par>
@@ -11319,7 +11353,7 @@
                                         <p:tgtEl>
                                           <p:spTgt spid="8">
                                             <p:txEl>
-                                              <p:pRg st="0" end="0"/>
+                                              <p:pRg st="2" end="2"/>
                                             </p:txEl>
                                           </p:spTgt>
                                         </p:tgtEl>
@@ -11334,61 +11368,6 @@
                                     <p:animEffect transition="in" filter="fade">
                                       <p:cBhvr>
                                         <p:cTn id="11" dur="500"/>
-                                        <p:tgtEl>
-                                          <p:spTgt spid="8">
-                                            <p:txEl>
-                                              <p:pRg st="0" end="0"/>
-                                            </p:txEl>
-                                          </p:spTgt>
-                                        </p:tgtEl>
-                                      </p:cBhvr>
-                                    </p:animEffect>
-                                  </p:childTnLst>
-                                </p:cTn>
-                              </p:par>
-                            </p:childTnLst>
-                          </p:cTn>
-                        </p:par>
-                        <p:par>
-                          <p:cTn id="12" fill="hold">
-                            <p:stCondLst>
-                              <p:cond delay="4000"/>
-                            </p:stCondLst>
-                            <p:childTnLst>
-                              <p:par>
-                                <p:cTn id="13" presetID="10" presetClass="entr" presetSubtype="0" fill="hold" nodeType="afterEffect">
-                                  <p:stCondLst>
-                                    <p:cond delay="0"/>
-                                  </p:stCondLst>
-                                  <p:iterate type="lt">
-                                    <p:tmPct val="10000"/>
-                                  </p:iterate>
-                                  <p:childTnLst>
-                                    <p:set>
-                                      <p:cBhvr>
-                                        <p:cTn id="14" dur="1" fill="hold">
-                                          <p:stCondLst>
-                                            <p:cond delay="0"/>
-                                          </p:stCondLst>
-                                        </p:cTn>
-                                        <p:tgtEl>
-                                          <p:spTgt spid="8">
-                                            <p:txEl>
-                                              <p:pRg st="2" end="2"/>
-                                            </p:txEl>
-                                          </p:spTgt>
-                                        </p:tgtEl>
-                                        <p:attrNameLst>
-                                          <p:attrName>style.visibility</p:attrName>
-                                        </p:attrNameLst>
-                                      </p:cBhvr>
-                                      <p:to>
-                                        <p:strVal val="visible"/>
-                                      </p:to>
-                                    </p:set>
-                                    <p:animEffect transition="in" filter="fade">
-                                      <p:cBhvr>
-                                        <p:cTn id="15" dur="500"/>
                                         <p:tgtEl>
                                           <p:spTgt spid="8">
                                             <p:txEl>
@@ -13063,31 +13042,6 @@
           </a:p>
         </p:txBody>
       </p:sp>
-      <p:pic>
-        <p:nvPicPr>
-          <p:cNvPr id="4" name="Picture 3" descr="input"/>
-          <p:cNvPicPr>
-            <a:picLocks noChangeAspect="1"/>
-          </p:cNvPicPr>
-          <p:nvPr/>
-        </p:nvPicPr>
-        <p:blipFill>
-          <a:blip r:embed="rId1"/>
-          <a:srcRect l="6277" t="7618" r="5428" b="7347"/>
-          <a:stretch>
-            <a:fillRect/>
-          </a:stretch>
-        </p:blipFill>
-        <p:spPr>
-          <a:xfrm>
-            <a:off x="3855085" y="565785"/>
-            <a:ext cx="4843145" cy="4012565"/>
-          </a:xfrm>
-          <a:prstGeom prst="rect">
-            <a:avLst/>
-          </a:prstGeom>
-        </p:spPr>
-      </p:pic>
       <p:sp>
         <p:nvSpPr>
           <p:cNvPr id="5" name="Text Box 4"/>
@@ -13129,6 +13083,31 @@
           </a:p>
         </p:txBody>
       </p:sp>
+      <p:pic>
+        <p:nvPicPr>
+          <p:cNvPr id="11" name="Picture 10" descr="user"/>
+          <p:cNvPicPr>
+            <a:picLocks noChangeAspect="1"/>
+          </p:cNvPicPr>
+          <p:nvPr/>
+        </p:nvPicPr>
+        <p:blipFill>
+          <a:blip r:embed="rId1"/>
+          <a:srcRect l="5461" t="4984" r="6148" b="4925"/>
+          <a:stretch>
+            <a:fillRect/>
+          </a:stretch>
+        </p:blipFill>
+        <p:spPr>
+          <a:xfrm>
+            <a:off x="2762250" y="627380"/>
+            <a:ext cx="4719955" cy="3902710"/>
+          </a:xfrm>
+          <a:prstGeom prst="rect">
+            <a:avLst/>
+          </a:prstGeom>
+        </p:spPr>
+      </p:pic>
     </p:spTree>
   </p:cSld>
   <p:clrMapOvr>
@@ -13203,50 +13182,6 @@
                             </p:childTnLst>
                           </p:cTn>
                         </p:par>
-                        <p:par>
-                          <p:cTn id="8" fill="hold">
-                            <p:stCondLst>
-                              <p:cond delay="899"/>
-                            </p:stCondLst>
-                            <p:childTnLst>
-                              <p:par>
-                                <p:cTn id="9" presetID="10" presetClass="entr" presetSubtype="0" fill="hold" nodeType="afterEffect">
-                                  <p:stCondLst>
-                                    <p:cond delay="0"/>
-                                  </p:stCondLst>
-                                  <p:childTnLst>
-                                    <p:set>
-                                      <p:cBhvr>
-                                        <p:cTn id="10" dur="1" fill="hold">
-                                          <p:stCondLst>
-                                            <p:cond delay="0"/>
-                                          </p:stCondLst>
-                                        </p:cTn>
-                                        <p:tgtEl>
-                                          <p:spTgt spid="4"/>
-                                        </p:tgtEl>
-                                        <p:attrNameLst>
-                                          <p:attrName>style.visibility</p:attrName>
-                                        </p:attrNameLst>
-                                      </p:cBhvr>
-                                      <p:to>
-                                        <p:strVal val="visible"/>
-                                      </p:to>
-                                    </p:set>
-                                    <p:animEffect transition="in" filter="fade">
-                                      <p:cBhvr>
-                                        <p:cTn id="11" dur="500"/>
-                                        <p:tgtEl>
-                                          <p:spTgt spid="4"/>
-                                        </p:tgtEl>
-                                      </p:cBhvr>
-                                    </p:animEffect>
-                                  </p:childTnLst>
-                                </p:cTn>
-                              </p:par>
-                            </p:childTnLst>
-                          </p:cTn>
-                        </p:par>
                       </p:childTnLst>
                     </p:cTn>
                   </p:par>
@@ -13273,6 +13208,12 @@
     </p:tnLst>
   </p:timing>
 </p:sld>
+</file>
+
+<file path=ppt/tags/tag1.xml><?xml version="1.0" encoding="utf-8"?>
+<p:tagLst xmlns:p="http://schemas.openxmlformats.org/presentationml/2006/main">
+  <p:tag name="KSO_WM_BEAUTIFY_FLAG" val=""/>
+</p:tagLst>
 </file>
 
 <file path=ppt/theme/theme1.xml><?xml version="1.0" encoding="utf-8"?>
